--- a/requirement.pptx
+++ b/requirement.pptx
@@ -4137,12 +4137,12 @@
         <p:spPr>
           <a:xfrm>
             <a:off x="1024128" y="2286000"/>
-            <a:ext cx="5322081" cy="4023360"/>
+            <a:ext cx="5717866" cy="4023360"/>
           </a:xfrm>
         </p:spPr>
         <p:txBody>
           <a:bodyPr>
-            <a:normAutofit lnSpcReduction="10000"/>
+            <a:normAutofit fontScale="92500" lnSpcReduction="10000"/>
           </a:bodyPr>
           <a:lstStyle/>
           <a:p>
@@ -4191,8 +4191,12 @@
               <a:t>格影格隨機</a:t>
             </a:r>
             <a:r>
+              <a:rPr lang="zh-TW" altLang="en-US" dirty="0" smtClean="0"/>
+              <a:t>選取還存在的外星人</a:t>
+            </a:r>
+            <a:r>
               <a:rPr lang="zh-TW" altLang="en-US" dirty="0"/>
-              <a:t>選取外星人放出雷射 </a:t>
+              <a:t>放出雷射 </a:t>
             </a:r>
             <a:endParaRPr lang="en-US" altLang="zh-TW" dirty="0" smtClean="0"/>
           </a:p>
@@ -4215,11 +4219,11 @@
           <a:p>
             <a:pPr lvl="1"/>
             <a:r>
-              <a:rPr lang="zh-TW" altLang="en-US" dirty="0" smtClean="0"/>
-              <a:t>創造</a:t>
-            </a:r>
-            <a:r>
-              <a:rPr lang="zh-TW" altLang="en-US" dirty="0" smtClean="0">
+              <a:rPr lang="zh-TW" altLang="en-US" smtClean="0"/>
+              <a:t>修改</a:t>
+            </a:r>
+            <a:r>
+              <a:rPr lang="zh-TW" altLang="en-US" smtClean="0">
                 <a:solidFill>
                   <a:srgbClr val="00B050"/>
                 </a:solidFill>
@@ -4251,7 +4255,15 @@
             </a:r>
             <a:r>
               <a:rPr lang="zh-TW" altLang="en-US" dirty="0"/>
-              <a:t>碰到雷射少一條命，雷射</a:t>
+              <a:t>碰到</a:t>
+            </a:r>
+            <a:r>
+              <a:rPr lang="zh-TW" altLang="en-US" dirty="0" smtClean="0"/>
+              <a:t>雷射，飛船少</a:t>
+            </a:r>
+            <a:r>
+              <a:rPr lang="zh-TW" altLang="en-US" dirty="0"/>
+              <a:t>一條命，雷射</a:t>
             </a:r>
             <a:r>
               <a:rPr lang="zh-TW" altLang="en-US" dirty="0" smtClean="0"/>
@@ -4457,7 +4469,15 @@
                   <a:srgbClr val="00B050"/>
                 </a:solidFill>
               </a:rPr>
-              <a:t>的炸</a:t>
+              <a:t>的</a:t>
+            </a:r>
+            <a:r>
+              <a:rPr lang="zh-TW" altLang="en-US" dirty="0" smtClean="0">
+                <a:solidFill>
+                  <a:srgbClr val="00B050"/>
+                </a:solidFill>
+              </a:rPr>
+              <a:t>雷</a:t>
             </a:r>
             <a:r>
               <a:rPr lang="zh-TW" altLang="en-US" dirty="0">
@@ -4465,7 +4485,7 @@
                   <a:srgbClr val="00B050"/>
                 </a:solidFill>
               </a:rPr>
-              <a:t>彈</a:t>
+              <a:t>射</a:t>
             </a:r>
             <a:r>
               <a:rPr lang="zh-TW" altLang="en-US" dirty="0" smtClean="0">
@@ -4771,11 +4791,7 @@
             </a:r>
             <a:r>
               <a:rPr lang="zh-TW" altLang="en-US" dirty="0" smtClean="0"/>
-              <a:t>，寶石消失，子彈改為每次三發，一發鉛直發射，兩發左右斜線發射</a:t>
-            </a:r>
-            <a:r>
-              <a:rPr lang="zh-TW" altLang="en-US" dirty="0" smtClean="0"/>
-              <a:t>。</a:t>
+              <a:t>，寶石消失，子彈改為每次三發，一發鉛直發射，兩發左右斜線發射。</a:t>
             </a:r>
             <a:endParaRPr lang="en-US" altLang="zh-TW" dirty="0" smtClean="0"/>
           </a:p>
@@ -9310,11 +9326,25 @@
             <a:endParaRPr lang="en-US" altLang="zh-TW" dirty="0" smtClean="0"/>
           </a:p>
           <a:p>
-            <a:pPr lvl="1"/>
+            <a:pPr marL="128016" lvl="1" indent="0">
+              <a:buNone/>
+            </a:pPr>
             <a:endParaRPr lang="en-US" altLang="zh-TW" dirty="0" smtClean="0"/>
           </a:p>
           <a:p>
-            <a:pPr lvl="1"/>
+            <a:pPr marL="128016" lvl="1" indent="0">
+              <a:buNone/>
+            </a:pPr>
+            <a:r>
+              <a:rPr lang="en-US" altLang="zh-TW" dirty="0" smtClean="0"/>
+              <a:t>tips</a:t>
+            </a:r>
+            <a:endParaRPr lang="en-US" altLang="zh-TW" dirty="0" smtClean="0"/>
+          </a:p>
+          <a:p>
+            <a:pPr marL="128016" lvl="1" indent="0">
+              <a:buNone/>
+            </a:pPr>
             <a:r>
               <a:rPr lang="zh-TW" altLang="en-US" dirty="0" smtClean="0"/>
               <a:t>圓圈直徑為：</a:t>
@@ -9326,7 +9356,9 @@
             <a:endParaRPr lang="en-US" altLang="zh-TW" dirty="0"/>
           </a:p>
           <a:p>
-            <a:pPr lvl="1"/>
+            <a:pPr marL="128016" lvl="1" indent="0">
+              <a:buNone/>
+            </a:pPr>
             <a:r>
               <a:rPr lang="zh-TW" altLang="en-US" dirty="0" smtClean="0"/>
               <a:t>圓圈</a:t>
@@ -9349,7 +9381,9 @@
             </a:r>
           </a:p>
           <a:p>
-            <a:pPr lvl="1"/>
+            <a:pPr marL="128016" lvl="1" indent="0">
+              <a:buNone/>
+            </a:pPr>
             <a:r>
               <a:rPr lang="zh-TW" altLang="en-US" dirty="0" smtClean="0"/>
               <a:t>首個圓圈</a:t>
@@ -9368,7 +9402,9 @@
             </a:r>
           </a:p>
           <a:p>
-            <a:pPr lvl="1"/>
+            <a:pPr marL="128016" lvl="1" indent="0">
+              <a:buNone/>
+            </a:pPr>
             <a:r>
               <a:rPr lang="zh-TW" altLang="en-US" dirty="0" smtClean="0"/>
               <a:t>每個圓圈間間隔 ：</a:t>
@@ -9544,7 +9580,7 @@
         </p:spPr>
         <p:txBody>
           <a:bodyPr>
-            <a:normAutofit/>
+            <a:normAutofit lnSpcReduction="10000"/>
           </a:bodyPr>
           <a:lstStyle/>
           <a:p>
@@ -9670,7 +9706,18 @@
             <a:endParaRPr lang="en-US" altLang="zh-TW" dirty="0" smtClean="0"/>
           </a:p>
           <a:p>
-            <a:pPr lvl="1"/>
+            <a:pPr marL="128016" lvl="1" indent="0">
+              <a:buNone/>
+            </a:pPr>
+            <a:r>
+              <a:rPr lang="en-US" altLang="zh-TW" dirty="0" smtClean="0"/>
+              <a:t>tips</a:t>
+            </a:r>
+          </a:p>
+          <a:p>
+            <a:pPr marL="128016" lvl="1" indent="0">
+              <a:buNone/>
+            </a:pPr>
             <a:r>
               <a:rPr lang="zh-TW" altLang="en-US" dirty="0" smtClean="0"/>
               <a:t>顏色</a:t>
@@ -9689,7 +9736,9 @@
             </a:r>
           </a:p>
           <a:p>
-            <a:pPr lvl="1"/>
+            <a:pPr marL="128016" lvl="1" indent="0">
+              <a:buNone/>
+            </a:pPr>
             <a:r>
               <a:rPr lang="zh-TW" altLang="en-US" dirty="0" smtClean="0"/>
               <a:t>標題</a:t>
@@ -9705,7 +9754,9 @@
             <a:endParaRPr lang="en-US" altLang="zh-TW" dirty="0" smtClean="0"/>
           </a:p>
           <a:p>
-            <a:pPr lvl="1"/>
+            <a:pPr marL="128016" lvl="1" indent="0">
+              <a:buNone/>
+            </a:pPr>
             <a:r>
               <a:rPr lang="zh-TW" altLang="en-US" dirty="0" smtClean="0"/>
               <a:t>標題</a:t>
@@ -9748,7 +9799,9 @@
             </a:r>
           </a:p>
           <a:p>
-            <a:pPr lvl="1"/>
+            <a:pPr marL="128016" lvl="1" indent="0">
+              <a:buNone/>
+            </a:pPr>
             <a:r>
               <a:rPr lang="zh-TW" altLang="en-US" dirty="0" smtClean="0"/>
               <a:t>開始遊戲頁面主標大小：</a:t>
@@ -9759,7 +9812,9 @@
             </a:r>
           </a:p>
           <a:p>
-            <a:pPr lvl="1"/>
+            <a:pPr marL="128016" lvl="1" indent="0">
+              <a:buNone/>
+            </a:pPr>
             <a:r>
               <a:rPr lang="zh-TW" altLang="en-US" dirty="0" smtClean="0"/>
               <a:t>其他頁面主標大小：</a:t>
@@ -9770,7 +9825,9 @@
             </a:r>
           </a:p>
           <a:p>
-            <a:pPr lvl="1"/>
+            <a:pPr marL="128016" lvl="1" indent="0">
+              <a:buNone/>
+            </a:pPr>
             <a:r>
               <a:rPr lang="zh-TW" altLang="en-US" dirty="0" smtClean="0"/>
               <a:t>所有次標</a:t>
@@ -9789,7 +9846,9 @@
             </a:r>
           </a:p>
           <a:p>
-            <a:pPr lvl="1"/>
+            <a:pPr marL="128016" lvl="1" indent="0">
+              <a:buNone/>
+            </a:pPr>
             <a:r>
               <a:rPr lang="zh-TW" altLang="en-US" dirty="0" smtClean="0"/>
               <a:t>主標與次標距離：</a:t>
@@ -9798,13 +9857,6 @@
               <a:rPr lang="en-US" altLang="zh-TW" dirty="0" smtClean="0"/>
               <a:t>40</a:t>
             </a:r>
-          </a:p>
-          <a:p>
-            <a:pPr lvl="1"/>
-            <a:endParaRPr lang="en-US" altLang="zh-TW" dirty="0" smtClean="0"/>
-          </a:p>
-          <a:p>
-            <a:pPr lvl="1"/>
             <a:endParaRPr lang="zh-TW" altLang="en-US" dirty="0"/>
           </a:p>
         </p:txBody>
@@ -10724,10 +10776,14 @@
             <a:pPr lvl="1"/>
             <a:r>
               <a:rPr lang="zh-TW" altLang="en-US" dirty="0" smtClean="0"/>
-              <a:t>創造</a:t>
-            </a:r>
-            <a:r>
-              <a:rPr lang="en-US" altLang="zh-TW" dirty="0" err="1">
+              <a:t>修</a:t>
+            </a:r>
+            <a:r>
+              <a:rPr lang="zh-TW" altLang="en-US" dirty="0"/>
+              <a:t>改</a:t>
+            </a:r>
+            <a:r>
+              <a:rPr lang="en-US" altLang="zh-TW" dirty="0" err="1" smtClean="0">
                 <a:solidFill>
                   <a:srgbClr val="00B050"/>
                 </a:solidFill>
